--- a/guias/funciones_comandos_en_R_explained.pptx
+++ b/guias/funciones_comandos_en_R_explained.pptx
@@ -7,6 +7,7 @@
   <p:sldIdLst>
     <p:sldId id="256" r:id="rId2"/>
     <p:sldId id="257" r:id="rId3"/>
+    <p:sldId id="258" r:id="rId4"/>
   </p:sldIdLst>
   <p:sldSz cx="12192000" cy="6858000"/>
   <p:notesSz cx="6858000" cy="9144000"/>
@@ -273,7 +274,7 @@
           <a:p>
             <a:fld id="{3D113062-6946-D04A-B44A-4A7F04CBAC86}" type="datetimeFigureOut">
               <a:rPr lang="en-MX" smtClean="0"/>
-              <a:t>28/06/23</a:t>
+              <a:t>04/07/23</a:t>
             </a:fld>
             <a:endParaRPr lang="en-MX"/>
           </a:p>
@@ -473,7 +474,7 @@
           <a:p>
             <a:fld id="{3D113062-6946-D04A-B44A-4A7F04CBAC86}" type="datetimeFigureOut">
               <a:rPr lang="en-MX" smtClean="0"/>
-              <a:t>28/06/23</a:t>
+              <a:t>04/07/23</a:t>
             </a:fld>
             <a:endParaRPr lang="en-MX"/>
           </a:p>
@@ -683,7 +684,7 @@
           <a:p>
             <a:fld id="{3D113062-6946-D04A-B44A-4A7F04CBAC86}" type="datetimeFigureOut">
               <a:rPr lang="en-MX" smtClean="0"/>
-              <a:t>28/06/23</a:t>
+              <a:t>04/07/23</a:t>
             </a:fld>
             <a:endParaRPr lang="en-MX"/>
           </a:p>
@@ -883,7 +884,7 @@
           <a:p>
             <a:fld id="{3D113062-6946-D04A-B44A-4A7F04CBAC86}" type="datetimeFigureOut">
               <a:rPr lang="en-MX" smtClean="0"/>
-              <a:t>28/06/23</a:t>
+              <a:t>04/07/23</a:t>
             </a:fld>
             <a:endParaRPr lang="en-MX"/>
           </a:p>
@@ -1159,7 +1160,7 @@
           <a:p>
             <a:fld id="{3D113062-6946-D04A-B44A-4A7F04CBAC86}" type="datetimeFigureOut">
               <a:rPr lang="en-MX" smtClean="0"/>
-              <a:t>28/06/23</a:t>
+              <a:t>04/07/23</a:t>
             </a:fld>
             <a:endParaRPr lang="en-MX"/>
           </a:p>
@@ -1427,7 +1428,7 @@
           <a:p>
             <a:fld id="{3D113062-6946-D04A-B44A-4A7F04CBAC86}" type="datetimeFigureOut">
               <a:rPr lang="en-MX" smtClean="0"/>
-              <a:t>28/06/23</a:t>
+              <a:t>04/07/23</a:t>
             </a:fld>
             <a:endParaRPr lang="en-MX"/>
           </a:p>
@@ -1842,7 +1843,7 @@
           <a:p>
             <a:fld id="{3D113062-6946-D04A-B44A-4A7F04CBAC86}" type="datetimeFigureOut">
               <a:rPr lang="en-MX" smtClean="0"/>
-              <a:t>28/06/23</a:t>
+              <a:t>04/07/23</a:t>
             </a:fld>
             <a:endParaRPr lang="en-MX"/>
           </a:p>
@@ -1984,7 +1985,7 @@
           <a:p>
             <a:fld id="{3D113062-6946-D04A-B44A-4A7F04CBAC86}" type="datetimeFigureOut">
               <a:rPr lang="en-MX" smtClean="0"/>
-              <a:t>28/06/23</a:t>
+              <a:t>04/07/23</a:t>
             </a:fld>
             <a:endParaRPr lang="en-MX"/>
           </a:p>
@@ -2097,7 +2098,7 @@
           <a:p>
             <a:fld id="{3D113062-6946-D04A-B44A-4A7F04CBAC86}" type="datetimeFigureOut">
               <a:rPr lang="en-MX" smtClean="0"/>
-              <a:t>28/06/23</a:t>
+              <a:t>04/07/23</a:t>
             </a:fld>
             <a:endParaRPr lang="en-MX"/>
           </a:p>
@@ -2410,7 +2411,7 @@
           <a:p>
             <a:fld id="{3D113062-6946-D04A-B44A-4A7F04CBAC86}" type="datetimeFigureOut">
               <a:rPr lang="en-MX" smtClean="0"/>
-              <a:t>28/06/23</a:t>
+              <a:t>04/07/23</a:t>
             </a:fld>
             <a:endParaRPr lang="en-MX"/>
           </a:p>
@@ -2699,7 +2700,7 @@
           <a:p>
             <a:fld id="{3D113062-6946-D04A-B44A-4A7F04CBAC86}" type="datetimeFigureOut">
               <a:rPr lang="en-MX" smtClean="0"/>
-              <a:t>28/06/23</a:t>
+              <a:t>04/07/23</a:t>
             </a:fld>
             <a:endParaRPr lang="en-MX"/>
           </a:p>
@@ -2942,7 +2943,7 @@
           <a:p>
             <a:fld id="{3D113062-6946-D04A-B44A-4A7F04CBAC86}" type="datetimeFigureOut">
               <a:rPr lang="en-MX" smtClean="0"/>
-              <a:t>28/06/23</a:t>
+              <a:t>04/07/23</a:t>
             </a:fld>
             <a:endParaRPr lang="en-MX"/>
           </a:p>
@@ -3640,7 +3641,7 @@
               </a:spcAft>
             </a:pPr>
             <a:r>
-              <a:rPr lang="en-US" sz="2408" kern="1200" err="1">
+              <a:rPr lang="en-US" sz="2408" kern="1200" dirty="0" err="1">
                 <a:solidFill>
                   <a:schemeClr val="tx1"/>
                 </a:solidFill>
@@ -3651,7 +3652,7 @@
               <a:t>mydf</a:t>
             </a:r>
             <a:r>
-              <a:rPr lang="en-US" sz="2408" kern="1200">
+              <a:rPr lang="en-US" sz="2408" kern="1200" dirty="0">
                 <a:solidFill>
                   <a:schemeClr val="tx1"/>
                 </a:solidFill>
@@ -3662,7 +3663,7 @@
               <a:t> &lt;- u</a:t>
             </a:r>
             <a:r>
-              <a:rPr lang="en-MX" sz="2408" kern="1200">
+              <a:rPr lang="en-MX" sz="2408" kern="1200" dirty="0">
                 <a:solidFill>
                   <a:schemeClr val="tx1"/>
                 </a:solidFill>
@@ -3673,7 +3674,7 @@
               <a:t>tils::read.delim (file = </a:t>
             </a:r>
             <a:r>
-              <a:rPr lang="en-MX" sz="2408" kern="1200">
+              <a:rPr lang="en-MX" sz="2408" kern="1200" dirty="0">
                 <a:solidFill>
                   <a:schemeClr val="tx1"/>
                 </a:solidFill>
@@ -3684,7 +3685,7 @@
               <a:t>'</a:t>
             </a:r>
             <a:r>
-              <a:rPr lang="en-MX" sz="2408" kern="1200">
+              <a:rPr lang="en-MX" sz="2408" kern="1200" dirty="0">
                 <a:solidFill>
                   <a:schemeClr val="tx1"/>
                 </a:solidFill>
@@ -3695,7 +3696,7 @@
               <a:t>./CursoR/file.csv</a:t>
             </a:r>
             <a:r>
-              <a:rPr lang="en-MX" sz="2408" kern="1200">
+              <a:rPr lang="en-MX" sz="2408" kern="1200" dirty="0">
                 <a:solidFill>
                   <a:schemeClr val="tx1"/>
                 </a:solidFill>
@@ -3706,7 +3707,7 @@
               <a:t>'</a:t>
             </a:r>
             <a:r>
-              <a:rPr lang="en-MX" sz="2408" kern="1200">
+              <a:rPr lang="en-MX" sz="2408" kern="1200" dirty="0">
                 <a:solidFill>
                   <a:schemeClr val="tx1"/>
                 </a:solidFill>
@@ -3717,7 +3718,7 @@
               <a:t>, sep  = </a:t>
             </a:r>
             <a:r>
-              <a:rPr lang="en-MX" sz="2408" kern="1200">
+              <a:rPr lang="en-MX" sz="2408" kern="1200" dirty="0">
                 <a:solidFill>
                   <a:schemeClr val="tx1"/>
                 </a:solidFill>
@@ -3728,7 +3729,7 @@
               <a:t>'</a:t>
             </a:r>
             <a:r>
-              <a:rPr lang="en-MX" sz="2408" kern="1200">
+              <a:rPr lang="en-MX" sz="2408" kern="1200" dirty="0">
                 <a:solidFill>
                   <a:schemeClr val="tx1"/>
                 </a:solidFill>
@@ -3739,7 +3740,7 @@
               <a:t>,</a:t>
             </a:r>
             <a:r>
-              <a:rPr lang="en-MX" sz="2408" kern="1200">
+              <a:rPr lang="en-MX" sz="2408" kern="1200" dirty="0">
                 <a:solidFill>
                   <a:schemeClr val="tx1"/>
                 </a:solidFill>
@@ -3750,7 +3751,7 @@
               <a:t>'</a:t>
             </a:r>
             <a:r>
-              <a:rPr lang="en-MX" sz="2408" kern="1200">
+              <a:rPr lang="en-MX" sz="2408" kern="1200" dirty="0">
                 <a:solidFill>
                   <a:schemeClr val="tx1"/>
                 </a:solidFill>
@@ -3760,7 +3761,7 @@
               </a:rPr>
               <a:t>, header = T)</a:t>
             </a:r>
-            <a:endParaRPr lang="en-MX" sz="2800">
+            <a:endParaRPr lang="en-MX" sz="2800" dirty="0">
               <a:latin typeface="Cambria Math" panose="02040503050406030204" pitchFamily="18" charset="0"/>
               <a:ea typeface="Cambria Math" panose="02040503050406030204" pitchFamily="18" charset="0"/>
             </a:endParaRPr>
@@ -5269,6 +5270,115 @@
 </p:sld>
 </file>
 
+<file path=ppt/slides/slide3.xml><?xml version="1.0" encoding="utf-8"?>
+<p:sld xmlns:a="http://schemas.openxmlformats.org/drawingml/2006/main" xmlns:r="http://schemas.openxmlformats.org/officeDocument/2006/relationships" xmlns:p="http://schemas.openxmlformats.org/presentationml/2006/main">
+  <p:cSld>
+    <p:spTree>
+      <p:nvGrpSpPr>
+        <p:cNvPr id="1" name=""/>
+        <p:cNvGrpSpPr/>
+        <p:nvPr/>
+      </p:nvGrpSpPr>
+      <p:grpSpPr>
+        <a:xfrm>
+          <a:off x="0" y="0"/>
+          <a:ext cx="0" cy="0"/>
+          <a:chOff x="0" y="0"/>
+          <a:chExt cx="0" cy="0"/>
+        </a:xfrm>
+      </p:grpSpPr>
+      <p:sp>
+        <p:nvSpPr>
+          <p:cNvPr id="2" name="Title 1">
+            <a:extLst>
+              <a:ext uri="{FF2B5EF4-FFF2-40B4-BE49-F238E27FC236}">
+                <a16:creationId xmlns:a16="http://schemas.microsoft.com/office/drawing/2014/main" id="{1C4FF0EB-C26B-F57C-9D57-9FCAC52AC0B1}"/>
+              </a:ext>
+            </a:extLst>
+          </p:cNvPr>
+          <p:cNvSpPr>
+            <a:spLocks noGrp="1"/>
+          </p:cNvSpPr>
+          <p:nvPr>
+            <p:ph type="title"/>
+          </p:nvPr>
+        </p:nvSpPr>
+        <p:spPr/>
+        <p:txBody>
+          <a:bodyPr/>
+          <a:lstStyle/>
+          <a:p>
+            <a:r>
+              <a:rPr lang="en-US" dirty="0"/>
+              <a:t>S</a:t>
+            </a:r>
+            <a:r>
+              <a:rPr lang="en-MX" dirty="0"/>
+              <a:t>eparadores en R: databases</a:t>
+            </a:r>
+          </a:p>
+        </p:txBody>
+      </p:sp>
+      <p:sp>
+        <p:nvSpPr>
+          <p:cNvPr id="3" name="TextBox 2">
+            <a:extLst>
+              <a:ext uri="{FF2B5EF4-FFF2-40B4-BE49-F238E27FC236}">
+                <a16:creationId xmlns:a16="http://schemas.microsoft.com/office/drawing/2014/main" id="{46365728-387E-A516-3AFB-80F5818633EF}"/>
+              </a:ext>
+            </a:extLst>
+          </p:cNvPr>
+          <p:cNvSpPr txBox="1"/>
+          <p:nvPr/>
+        </p:nvSpPr>
+        <p:spPr>
+          <a:xfrm>
+            <a:off x="925158" y="2119256"/>
+            <a:ext cx="6637468" cy="923330"/>
+          </a:xfrm>
+          <a:prstGeom prst="rect">
+            <a:avLst/>
+          </a:prstGeom>
+          <a:noFill/>
+        </p:spPr>
+        <p:txBody>
+          <a:bodyPr wrap="square" rtlCol="0">
+            <a:spAutoFit/>
+          </a:bodyPr>
+          <a:lstStyle/>
+          <a:p>
+            <a:r>
+              <a:rPr lang="en-MX" dirty="0"/>
+              <a:t>“,”: separado por comas</a:t>
+            </a:r>
+          </a:p>
+          <a:p>
+            <a:r>
+              <a:rPr lang="en-MX" dirty="0"/>
+              <a:t>“\t”: separado por tabulaciones</a:t>
+            </a:r>
+          </a:p>
+          <a:p>
+            <a:r>
+              <a:rPr lang="en-MX" dirty="0"/>
+              <a:t>“ ”:</a:t>
+            </a:r>
+          </a:p>
+        </p:txBody>
+      </p:sp>
+    </p:spTree>
+    <p:extLst>
+      <p:ext uri="{BB962C8B-B14F-4D97-AF65-F5344CB8AC3E}">
+        <p14:creationId xmlns:p14="http://schemas.microsoft.com/office/powerpoint/2010/main" val="3908371086"/>
+      </p:ext>
+    </p:extLst>
+  </p:cSld>
+  <p:clrMapOvr>
+    <a:masterClrMapping/>
+  </p:clrMapOvr>
+</p:sld>
+</file>
+
 <file path=ppt/theme/theme1.xml><?xml version="1.0" encoding="utf-8"?>
 <a:theme xmlns:a="http://schemas.openxmlformats.org/drawingml/2006/main" name="Office Theme">
   <a:themeElements>
